--- a/infographic/blood_donation.pptx
+++ b/infographic/blood_donation.pptx
@@ -6920,7 +6920,7 @@
         <p:spPr>
           <a:xfrm>
             <a:off x="3021780" y="2737974"/>
-            <a:ext cx="662040" cy="369332"/>
+            <a:ext cx="3500940" cy="369332"/>
           </a:xfrm>
           <a:prstGeom prst="rect">
             <a:avLst/>
@@ -6934,8 +6934,8 @@
           <a:lstStyle/>
           <a:p>
             <a:r>
-              <a:rPr lang="en-US" dirty="0"/>
-              <a:t>date</a:t>
+              <a:rPr lang="en-US" dirty="0" err="1"/>
+              <a:t>max_date</a:t>
             </a:r>
             <a:endParaRPr lang="en-MY" dirty="0"/>
           </a:p>
@@ -6998,7 +6998,7 @@
         <p:spPr>
           <a:xfrm>
             <a:off x="17822908" y="4076199"/>
-            <a:ext cx="2495017" cy="707886"/>
+            <a:ext cx="5715000" cy="707886"/>
           </a:xfrm>
           <a:prstGeom prst="rect">
             <a:avLst/>
@@ -7012,11 +7012,11 @@
           <a:lstStyle/>
           <a:p>
             <a:r>
-              <a:rPr lang="en-US" sz="4000" b="1" dirty="0">
+              <a:rPr lang="en-US" sz="4000" b="1" dirty="0" err="1">
                 <a:latin typeface="Verdana" panose="020B0604030504040204" pitchFamily="34" charset="0"/>
                 <a:ea typeface="Verdana" panose="020B0604030504040204" pitchFamily="34" charset="0"/>
               </a:rPr>
-              <a:t>count</a:t>
+              <a:t>last_date</a:t>
             </a:r>
             <a:endParaRPr lang="en-MY" sz="4000" b="1" dirty="0">
               <a:latin typeface="Verdana" panose="020B0604030504040204" pitchFamily="34" charset="0"/>
